--- a/publication/figures.pptx
+++ b/publication/figures.pptx
@@ -3876,6 +3876,96 @@
               <a:t>…</a:t>
             </a:r>
             <a:endParaRPr lang="en-US" dirty="0"/>
+          </a:p>
+        </p:txBody>
+      </p:sp>
+      <p:sp>
+        <p:nvSpPr>
+          <p:cNvPr id="34" name="TextBox 33"/>
+          <p:cNvSpPr txBox="1"/>
+          <p:nvPr/>
+        </p:nvSpPr>
+        <p:spPr>
+          <a:xfrm>
+            <a:off x="425542" y="2273315"/>
+            <a:ext cx="764828" cy="307777"/>
+          </a:xfrm>
+          <a:prstGeom prst="rect">
+            <a:avLst/>
+          </a:prstGeom>
+          <a:noFill/>
+        </p:spPr>
+        <p:txBody>
+          <a:bodyPr wrap="none" rtlCol="0">
+            <a:spAutoFit/>
+          </a:bodyPr>
+          <a:lstStyle/>
+          <a:p>
+            <a:r>
+              <a:rPr lang="en-US" sz="1400" dirty="0" smtClean="0"/>
+              <a:t>Depth 1</a:t>
+            </a:r>
+            <a:endParaRPr lang="en-US" sz="1400" dirty="0"/>
+          </a:p>
+        </p:txBody>
+      </p:sp>
+      <p:sp>
+        <p:nvSpPr>
+          <p:cNvPr id="35" name="TextBox 34"/>
+          <p:cNvSpPr txBox="1"/>
+          <p:nvPr/>
+        </p:nvSpPr>
+        <p:spPr>
+          <a:xfrm>
+            <a:off x="450850" y="3597473"/>
+            <a:ext cx="764828" cy="307777"/>
+          </a:xfrm>
+          <a:prstGeom prst="rect">
+            <a:avLst/>
+          </a:prstGeom>
+          <a:noFill/>
+        </p:spPr>
+        <p:txBody>
+          <a:bodyPr wrap="none" rtlCol="0">
+            <a:spAutoFit/>
+          </a:bodyPr>
+          <a:lstStyle/>
+          <a:p>
+            <a:r>
+              <a:rPr lang="en-US" sz="1400" dirty="0" smtClean="0"/>
+              <a:t>Depth 2</a:t>
+            </a:r>
+            <a:endParaRPr lang="en-US" sz="1400" dirty="0"/>
+          </a:p>
+        </p:txBody>
+      </p:sp>
+      <p:sp>
+        <p:nvSpPr>
+          <p:cNvPr id="36" name="TextBox 35"/>
+          <p:cNvSpPr txBox="1"/>
+          <p:nvPr/>
+        </p:nvSpPr>
+        <p:spPr>
+          <a:xfrm>
+            <a:off x="584015" y="4380012"/>
+            <a:ext cx="764828" cy="307777"/>
+          </a:xfrm>
+          <a:prstGeom prst="rect">
+            <a:avLst/>
+          </a:prstGeom>
+          <a:noFill/>
+        </p:spPr>
+        <p:txBody>
+          <a:bodyPr wrap="none" rtlCol="0">
+            <a:spAutoFit/>
+          </a:bodyPr>
+          <a:lstStyle/>
+          <a:p>
+            <a:r>
+              <a:rPr lang="en-US" sz="1400" smtClean="0"/>
+              <a:t>Depth 3</a:t>
+            </a:r>
+            <a:endParaRPr lang="en-US" sz="1400" dirty="0"/>
           </a:p>
         </p:txBody>
       </p:sp>
